--- a/lab3/System Architecture.pptx
+++ b/lab3/System Architecture.pptx
@@ -104,6 +104,11 @@
       </a:defRPr>
     </a:lvl9pPr>
   </p:defaultTextStyle>
+  <p:extLst>
+    <p:ext uri="{EFAFB233-063F-42B5-8137-9DF3F51BA10A}">
+      <p15:sldGuideLst xmlns:p15="http://schemas.microsoft.com/office/powerpoint/2012/main"/>
+    </p:ext>
+  </p:extLst>
 </p:presentation>
 </file>
 
@@ -254,7 +259,7 @@
           <a:p>
             <a:fld id="{85DA3091-8368-4E04-9968-E897046FC181}" type="datetimeFigureOut">
               <a:rPr lang="en-US" smtClean="0"/>
-              <a:t>10/26/2021</a:t>
+              <a:t>11/6/2021</a:t>
             </a:fld>
             <a:endParaRPr lang="en-US"/>
           </a:p>
@@ -452,7 +457,7 @@
           <a:p>
             <a:fld id="{85DA3091-8368-4E04-9968-E897046FC181}" type="datetimeFigureOut">
               <a:rPr lang="en-US" smtClean="0"/>
-              <a:t>10/26/2021</a:t>
+              <a:t>11/6/2021</a:t>
             </a:fld>
             <a:endParaRPr lang="en-US"/>
           </a:p>
@@ -660,7 +665,7 @@
           <a:p>
             <a:fld id="{85DA3091-8368-4E04-9968-E897046FC181}" type="datetimeFigureOut">
               <a:rPr lang="en-US" smtClean="0"/>
-              <a:t>10/26/2021</a:t>
+              <a:t>11/6/2021</a:t>
             </a:fld>
             <a:endParaRPr lang="en-US"/>
           </a:p>
@@ -858,7 +863,7 @@
           <a:p>
             <a:fld id="{85DA3091-8368-4E04-9968-E897046FC181}" type="datetimeFigureOut">
               <a:rPr lang="en-US" smtClean="0"/>
-              <a:t>10/26/2021</a:t>
+              <a:t>11/6/2021</a:t>
             </a:fld>
             <a:endParaRPr lang="en-US"/>
           </a:p>
@@ -1133,7 +1138,7 @@
           <a:p>
             <a:fld id="{85DA3091-8368-4E04-9968-E897046FC181}" type="datetimeFigureOut">
               <a:rPr lang="en-US" smtClean="0"/>
-              <a:t>10/26/2021</a:t>
+              <a:t>11/6/2021</a:t>
             </a:fld>
             <a:endParaRPr lang="en-US"/>
           </a:p>
@@ -1398,7 +1403,7 @@
           <a:p>
             <a:fld id="{85DA3091-8368-4E04-9968-E897046FC181}" type="datetimeFigureOut">
               <a:rPr lang="en-US" smtClean="0"/>
-              <a:t>10/26/2021</a:t>
+              <a:t>11/6/2021</a:t>
             </a:fld>
             <a:endParaRPr lang="en-US"/>
           </a:p>
@@ -1810,7 +1815,7 @@
           <a:p>
             <a:fld id="{85DA3091-8368-4E04-9968-E897046FC181}" type="datetimeFigureOut">
               <a:rPr lang="en-US" smtClean="0"/>
-              <a:t>10/26/2021</a:t>
+              <a:t>11/6/2021</a:t>
             </a:fld>
             <a:endParaRPr lang="en-US"/>
           </a:p>
@@ -1951,7 +1956,7 @@
           <a:p>
             <a:fld id="{85DA3091-8368-4E04-9968-E897046FC181}" type="datetimeFigureOut">
               <a:rPr lang="en-US" smtClean="0"/>
-              <a:t>10/26/2021</a:t>
+              <a:t>11/6/2021</a:t>
             </a:fld>
             <a:endParaRPr lang="en-US"/>
           </a:p>
@@ -2064,7 +2069,7 @@
           <a:p>
             <a:fld id="{85DA3091-8368-4E04-9968-E897046FC181}" type="datetimeFigureOut">
               <a:rPr lang="en-US" smtClean="0"/>
-              <a:t>10/26/2021</a:t>
+              <a:t>11/6/2021</a:t>
             </a:fld>
             <a:endParaRPr lang="en-US"/>
           </a:p>
@@ -2375,7 +2380,7 @@
           <a:p>
             <a:fld id="{85DA3091-8368-4E04-9968-E897046FC181}" type="datetimeFigureOut">
               <a:rPr lang="en-US" smtClean="0"/>
-              <a:t>10/26/2021</a:t>
+              <a:t>11/6/2021</a:t>
             </a:fld>
             <a:endParaRPr lang="en-US"/>
           </a:p>
@@ -2663,7 +2668,7 @@
           <a:p>
             <a:fld id="{85DA3091-8368-4E04-9968-E897046FC181}" type="datetimeFigureOut">
               <a:rPr lang="en-US" smtClean="0"/>
-              <a:t>10/26/2021</a:t>
+              <a:t>11/6/2021</a:t>
             </a:fld>
             <a:endParaRPr lang="en-US"/>
           </a:p>
@@ -2904,7 +2909,7 @@
           <a:p>
             <a:fld id="{85DA3091-8368-4E04-9968-E897046FC181}" type="datetimeFigureOut">
               <a:rPr lang="en-US" smtClean="0"/>
-              <a:t>10/26/2021</a:t>
+              <a:t>11/6/2021</a:t>
             </a:fld>
             <a:endParaRPr lang="en-US"/>
           </a:p>
@@ -3385,7 +3390,7 @@
         </p:nvSpPr>
         <p:spPr>
           <a:xfrm>
-            <a:off x="3767853" y="3689430"/>
+            <a:off x="2379948" y="3214760"/>
             <a:ext cx="1434194" cy="664029"/>
           </a:xfrm>
           <a:prstGeom prst="rect">
@@ -3435,7 +3440,7 @@
         </p:nvSpPr>
         <p:spPr>
           <a:xfrm>
-            <a:off x="3767958" y="2572946"/>
+            <a:off x="4303258" y="3218701"/>
             <a:ext cx="1434194" cy="664029"/>
           </a:xfrm>
           <a:prstGeom prst="rect">
@@ -3484,7 +3489,7 @@
         </p:nvSpPr>
         <p:spPr>
           <a:xfrm>
-            <a:off x="6864140" y="3689430"/>
+            <a:off x="6226568" y="3215466"/>
             <a:ext cx="1434194" cy="664029"/>
           </a:xfrm>
           <a:prstGeom prst="rect">
@@ -3533,7 +3538,7 @@
         </p:nvSpPr>
         <p:spPr>
           <a:xfrm>
-            <a:off x="6864193" y="2572946"/>
+            <a:off x="8093498" y="3214761"/>
             <a:ext cx="1434194" cy="664029"/>
           </a:xfrm>
           <a:prstGeom prst="rect">
@@ -3900,8 +3905,8 @@
         </p:nvCxnSpPr>
         <p:spPr>
           <a:xfrm flipH="1">
-            <a:off x="4485055" y="1344386"/>
-            <a:ext cx="1597338" cy="1228560"/>
+            <a:off x="5020355" y="1344386"/>
+            <a:ext cx="1062038" cy="1874315"/>
           </a:xfrm>
           <a:prstGeom prst="straightConnector1">
             <a:avLst/>
@@ -3945,7 +3950,7 @@
         <p:spPr>
           <a:xfrm>
             <a:off x="6082393" y="1344386"/>
-            <a:ext cx="1498897" cy="1228560"/>
+            <a:ext cx="2728202" cy="1870375"/>
           </a:xfrm>
           <a:prstGeom prst="straightConnector1">
             <a:avLst/>
@@ -3989,7 +3994,7 @@
         <p:spPr>
           <a:xfrm>
             <a:off x="6082393" y="1344386"/>
-            <a:ext cx="1498844" cy="2345044"/>
+            <a:ext cx="861272" cy="1871080"/>
           </a:xfrm>
           <a:prstGeom prst="straightConnector1">
             <a:avLst/>
@@ -4032,8 +4037,8 @@
         </p:nvCxnSpPr>
         <p:spPr>
           <a:xfrm>
-            <a:off x="4484950" y="4353459"/>
-            <a:ext cx="1624658" cy="1001486"/>
+            <a:off x="3097045" y="3878789"/>
+            <a:ext cx="3012563" cy="1476156"/>
           </a:xfrm>
           <a:prstGeom prst="straightConnector1">
             <a:avLst/>
@@ -4069,103 +4074,15 @@
           </p:cNvPr>
           <p:cNvCxnSpPr>
             <a:cxnSpLocks/>
-            <a:stCxn id="8" idx="2"/>
-            <a:endCxn id="6" idx="0"/>
-          </p:cNvCxnSpPr>
-          <p:nvPr/>
-        </p:nvCxnSpPr>
-        <p:spPr>
-          <a:xfrm flipH="1">
-            <a:off x="4484950" y="3236975"/>
-            <a:ext cx="105" cy="452455"/>
-          </a:xfrm>
-          <a:prstGeom prst="straightConnector1">
-            <a:avLst/>
-          </a:prstGeom>
-          <a:ln>
-            <a:prstDash val="sysDash"/>
-            <a:tailEnd type="triangle"/>
-          </a:ln>
-        </p:spPr>
-        <p:style>
-          <a:lnRef idx="2">
-            <a:schemeClr val="dk1"/>
-          </a:lnRef>
-          <a:fillRef idx="0">
-            <a:schemeClr val="dk1"/>
-          </a:fillRef>
-          <a:effectRef idx="1">
-            <a:schemeClr val="dk1"/>
-          </a:effectRef>
-          <a:fontRef idx="minor">
-            <a:schemeClr val="tx1"/>
-          </a:fontRef>
-        </p:style>
-      </p:cxnSp>
-      <p:cxnSp>
-        <p:nvCxnSpPr>
-          <p:cNvPr id="51" name="Straight Arrow Connector 50">
-            <a:extLst>
-              <a:ext uri="{FF2B5EF4-FFF2-40B4-BE49-F238E27FC236}">
-                <a16:creationId xmlns:a16="http://schemas.microsoft.com/office/drawing/2014/main" id="{DDDCCB7F-60B5-4E6F-B694-F309394E895E}"/>
-              </a:ext>
-            </a:extLst>
-          </p:cNvPr>
-          <p:cNvCxnSpPr>
-            <a:cxnSpLocks/>
-            <a:stCxn id="10" idx="1"/>
+            <a:stCxn id="8" idx="1"/>
             <a:endCxn id="6" idx="3"/>
           </p:cNvCxnSpPr>
           <p:nvPr/>
         </p:nvCxnSpPr>
         <p:spPr>
-          <a:xfrm flipH="1">
-            <a:off x="5202047" y="4021445"/>
-            <a:ext cx="1662093" cy="0"/>
-          </a:xfrm>
-          <a:prstGeom prst="straightConnector1">
-            <a:avLst/>
-          </a:prstGeom>
-          <a:ln>
-            <a:prstDash val="sysDash"/>
-            <a:tailEnd type="triangle"/>
-          </a:ln>
-        </p:spPr>
-        <p:style>
-          <a:lnRef idx="2">
-            <a:schemeClr val="dk1"/>
-          </a:lnRef>
-          <a:fillRef idx="0">
-            <a:schemeClr val="dk1"/>
-          </a:fillRef>
-          <a:effectRef idx="1">
-            <a:schemeClr val="dk1"/>
-          </a:effectRef>
-          <a:fontRef idx="minor">
-            <a:schemeClr val="tx1"/>
-          </a:fontRef>
-        </p:style>
-      </p:cxnSp>
-      <p:cxnSp>
-        <p:nvCxnSpPr>
-          <p:cNvPr id="54" name="Straight Arrow Connector 53">
-            <a:extLst>
-              <a:ext uri="{FF2B5EF4-FFF2-40B4-BE49-F238E27FC236}">
-                <a16:creationId xmlns:a16="http://schemas.microsoft.com/office/drawing/2014/main" id="{BA9A22DA-7D97-4583-AC02-4C6F3A92D5F6}"/>
-              </a:ext>
-            </a:extLst>
-          </p:cNvPr>
-          <p:cNvCxnSpPr>
-            <a:cxnSpLocks/>
-            <a:stCxn id="11" idx="1"/>
-            <a:endCxn id="6" idx="3"/>
-          </p:cNvCxnSpPr>
-          <p:nvPr/>
-        </p:nvCxnSpPr>
-        <p:spPr>
-          <a:xfrm flipH="1">
-            <a:off x="5202047" y="2904961"/>
-            <a:ext cx="1662146" cy="1116484"/>
+          <a:xfrm flipH="1" flipV="1">
+            <a:off x="3814142" y="3546775"/>
+            <a:ext cx="489116" cy="3941"/>
           </a:xfrm>
           <a:prstGeom prst="straightConnector1">
             <a:avLst/>
@@ -4544,6 +4461,104 @@
             <a:solidFill>
               <a:srgbClr val="FF0000"/>
             </a:solidFill>
+          </a:ln>
+        </p:spPr>
+        <p:style>
+          <a:lnRef idx="1">
+            <a:schemeClr val="accent1"/>
+          </a:lnRef>
+          <a:fillRef idx="0">
+            <a:schemeClr val="accent1"/>
+          </a:fillRef>
+          <a:effectRef idx="0">
+            <a:schemeClr val="accent1"/>
+          </a:effectRef>
+          <a:fontRef idx="minor">
+            <a:schemeClr val="tx1"/>
+          </a:fontRef>
+        </p:style>
+      </p:cxnSp>
+      <p:cxnSp>
+        <p:nvCxnSpPr>
+          <p:cNvPr id="43" name="Connector: Elbow 42">
+            <a:extLst>
+              <a:ext uri="{FF2B5EF4-FFF2-40B4-BE49-F238E27FC236}">
+                <a16:creationId xmlns:a16="http://schemas.microsoft.com/office/drawing/2014/main" id="{FDA6801C-0851-4804-A41C-E77B4DC99622}"/>
+              </a:ext>
+            </a:extLst>
+          </p:cNvPr>
+          <p:cNvCxnSpPr>
+            <a:cxnSpLocks/>
+            <a:stCxn id="10" idx="2"/>
+          </p:cNvCxnSpPr>
+          <p:nvPr/>
+        </p:nvCxnSpPr>
+        <p:spPr>
+          <a:xfrm rot="5400000" flipH="1">
+            <a:off x="5310325" y="2246155"/>
+            <a:ext cx="137158" cy="3129523"/>
+          </a:xfrm>
+          <a:prstGeom prst="bentConnector4">
+            <a:avLst>
+              <a:gd name="adj1" fmla="val -166669"/>
+              <a:gd name="adj2" fmla="val 88905"/>
+            </a:avLst>
+          </a:prstGeom>
+          <a:ln w="12700">
+            <a:solidFill>
+              <a:schemeClr val="tx1"/>
+            </a:solidFill>
+            <a:prstDash val="sysDash"/>
+            <a:tailEnd type="triangle"/>
+          </a:ln>
+        </p:spPr>
+        <p:style>
+          <a:lnRef idx="1">
+            <a:schemeClr val="accent1"/>
+          </a:lnRef>
+          <a:fillRef idx="0">
+            <a:schemeClr val="accent1"/>
+          </a:fillRef>
+          <a:effectRef idx="0">
+            <a:schemeClr val="accent1"/>
+          </a:effectRef>
+          <a:fontRef idx="minor">
+            <a:schemeClr val="tx1"/>
+          </a:fontRef>
+        </p:style>
+      </p:cxnSp>
+      <p:cxnSp>
+        <p:nvCxnSpPr>
+          <p:cNvPr id="58" name="Connector: Elbow 57">
+            <a:extLst>
+              <a:ext uri="{FF2B5EF4-FFF2-40B4-BE49-F238E27FC236}">
+                <a16:creationId xmlns:a16="http://schemas.microsoft.com/office/drawing/2014/main" id="{9D22D9AB-6DD7-4BB3-9030-07257DD26C15}"/>
+              </a:ext>
+            </a:extLst>
+          </p:cNvPr>
+          <p:cNvCxnSpPr>
+            <a:cxnSpLocks/>
+            <a:stCxn id="11" idx="2"/>
+          </p:cNvCxnSpPr>
+          <p:nvPr/>
+        </p:nvCxnSpPr>
+        <p:spPr>
+          <a:xfrm rot="5400000" flipH="1">
+            <a:off x="6281105" y="1349301"/>
+            <a:ext cx="62527" cy="4996453"/>
+          </a:xfrm>
+          <a:prstGeom prst="bentConnector4">
+            <a:avLst>
+              <a:gd name="adj1" fmla="val -572407"/>
+              <a:gd name="adj2" fmla="val 96181"/>
+            </a:avLst>
+          </a:prstGeom>
+          <a:ln w="12700">
+            <a:solidFill>
+              <a:schemeClr val="tx1"/>
+            </a:solidFill>
+            <a:prstDash val="sysDash"/>
+            <a:tailEnd type="triangle"/>
           </a:ln>
         </p:spPr>
         <p:style>

--- a/lab3/System Architecture.pptx
+++ b/lab3/System Architecture.pptx
@@ -3390,7 +3390,7 @@
         </p:nvSpPr>
         <p:spPr>
           <a:xfrm>
-            <a:off x="2379948" y="3214760"/>
+            <a:off x="1602597" y="3196408"/>
             <a:ext cx="1434194" cy="664029"/>
           </a:xfrm>
           <a:prstGeom prst="rect">
@@ -3440,7 +3440,7 @@
         </p:nvSpPr>
         <p:spPr>
           <a:xfrm>
-            <a:off x="4303258" y="3218701"/>
+            <a:off x="3525907" y="3200349"/>
             <a:ext cx="1434194" cy="664029"/>
           </a:xfrm>
           <a:prstGeom prst="rect">
@@ -3489,7 +3489,7 @@
         </p:nvSpPr>
         <p:spPr>
           <a:xfrm>
-            <a:off x="6226568" y="3215466"/>
+            <a:off x="5449217" y="3197114"/>
             <a:ext cx="1434194" cy="664029"/>
           </a:xfrm>
           <a:prstGeom prst="rect">
@@ -3538,7 +3538,7 @@
         </p:nvSpPr>
         <p:spPr>
           <a:xfrm>
-            <a:off x="8093498" y="3214761"/>
+            <a:off x="7316147" y="3196409"/>
             <a:ext cx="1434194" cy="664029"/>
           </a:xfrm>
           <a:prstGeom prst="rect">
@@ -3636,8 +3636,8 @@
         </p:nvSpPr>
         <p:spPr>
           <a:xfrm>
-            <a:off x="2204357" y="342900"/>
-            <a:ext cx="7756072" cy="1338943"/>
+            <a:off x="1427005" y="342900"/>
+            <a:ext cx="9459826" cy="1338943"/>
           </a:xfrm>
           <a:prstGeom prst="rect">
             <a:avLst/>
@@ -3715,8 +3715,8 @@
         </p:nvSpPr>
         <p:spPr>
           <a:xfrm>
-            <a:off x="2204356" y="2291441"/>
-            <a:ext cx="7756072" cy="2311821"/>
+            <a:off x="1427005" y="2273089"/>
+            <a:ext cx="9459826" cy="2311821"/>
           </a:xfrm>
           <a:prstGeom prst="rect">
             <a:avLst/>
@@ -3822,8 +3822,8 @@
         </p:nvSpPr>
         <p:spPr>
           <a:xfrm>
-            <a:off x="2231572" y="5017489"/>
-            <a:ext cx="7756072" cy="1338943"/>
+            <a:off x="1427005" y="5017489"/>
+            <a:ext cx="9459826" cy="1338943"/>
           </a:xfrm>
           <a:prstGeom prst="rect">
             <a:avLst/>
@@ -3905,8 +3905,8 @@
         </p:nvCxnSpPr>
         <p:spPr>
           <a:xfrm flipH="1">
-            <a:off x="5020355" y="1344386"/>
-            <a:ext cx="1062038" cy="1874315"/>
+            <a:off x="4243004" y="1344386"/>
+            <a:ext cx="1839389" cy="1855963"/>
           </a:xfrm>
           <a:prstGeom prst="straightConnector1">
             <a:avLst/>
@@ -3950,7 +3950,7 @@
         <p:spPr>
           <a:xfrm>
             <a:off x="6082393" y="1344386"/>
-            <a:ext cx="2728202" cy="1870375"/>
+            <a:ext cx="1950851" cy="1852023"/>
           </a:xfrm>
           <a:prstGeom prst="straightConnector1">
             <a:avLst/>
@@ -3994,7 +3994,7 @@
         <p:spPr>
           <a:xfrm>
             <a:off x="6082393" y="1344386"/>
-            <a:ext cx="861272" cy="1871080"/>
+            <a:ext cx="83921" cy="1852728"/>
           </a:xfrm>
           <a:prstGeom prst="straightConnector1">
             <a:avLst/>
@@ -4037,8 +4037,8 @@
         </p:nvCxnSpPr>
         <p:spPr>
           <a:xfrm>
-            <a:off x="3097045" y="3878789"/>
-            <a:ext cx="3012563" cy="1476156"/>
+            <a:off x="2319694" y="3860437"/>
+            <a:ext cx="3789914" cy="1494508"/>
           </a:xfrm>
           <a:prstGeom prst="straightConnector1">
             <a:avLst/>
@@ -4081,7 +4081,7 @@
         </p:nvCxnSpPr>
         <p:spPr>
           <a:xfrm flipH="1" flipV="1">
-            <a:off x="3814142" y="3546775"/>
+            <a:off x="3036791" y="3528423"/>
             <a:ext cx="489116" cy="3941"/>
           </a:xfrm>
           <a:prstGeom prst="straightConnector1">
@@ -4121,7 +4121,7 @@
         </p:nvSpPr>
         <p:spPr>
           <a:xfrm>
-            <a:off x="9167446" y="481342"/>
+            <a:off x="10206333" y="454369"/>
             <a:ext cx="531447" cy="531029"/>
           </a:xfrm>
           <a:prstGeom prst="ellipse">
@@ -4175,7 +4175,7 @@
         </p:nvCxnSpPr>
         <p:spPr>
           <a:xfrm flipH="1">
-            <a:off x="8917354" y="746857"/>
+            <a:off x="9956241" y="719884"/>
             <a:ext cx="250092" cy="3420"/>
           </a:xfrm>
           <a:prstGeom prst="line">
@@ -4218,7 +4218,7 @@
         </p:nvCxnSpPr>
         <p:spPr>
           <a:xfrm flipV="1">
-            <a:off x="8917355" y="481342"/>
+            <a:off x="9956242" y="454369"/>
             <a:ext cx="0" cy="531029"/>
           </a:xfrm>
           <a:prstGeom prst="line">
@@ -4259,7 +4259,7 @@
         </p:nvSpPr>
         <p:spPr>
           <a:xfrm>
-            <a:off x="9183077" y="5155931"/>
+            <a:off x="10206333" y="5128319"/>
             <a:ext cx="531447" cy="531029"/>
           </a:xfrm>
           <a:prstGeom prst="ellipse">
@@ -4313,7 +4313,7 @@
         </p:nvCxnSpPr>
         <p:spPr>
           <a:xfrm flipH="1">
-            <a:off x="9198708" y="5716029"/>
+            <a:off x="10221964" y="5688417"/>
             <a:ext cx="515816" cy="0"/>
           </a:xfrm>
           <a:prstGeom prst="line">
@@ -4354,7 +4354,7 @@
         </p:nvSpPr>
         <p:spPr>
           <a:xfrm>
-            <a:off x="9163285" y="2516908"/>
+            <a:off x="10233548" y="2436033"/>
             <a:ext cx="531447" cy="531029"/>
           </a:xfrm>
           <a:prstGeom prst="ellipse">
@@ -4408,7 +4408,7 @@
         </p:nvCxnSpPr>
         <p:spPr>
           <a:xfrm flipH="1">
-            <a:off x="9366739" y="2418607"/>
+            <a:off x="10437002" y="2337732"/>
             <a:ext cx="101599" cy="101619"/>
           </a:xfrm>
           <a:prstGeom prst="line">
@@ -4451,7 +4451,7 @@
         </p:nvCxnSpPr>
         <p:spPr>
           <a:xfrm>
-            <a:off x="9366739" y="2530665"/>
+            <a:off x="10437002" y="2449790"/>
             <a:ext cx="133152" cy="84561"/>
           </a:xfrm>
           <a:prstGeom prst="line">
@@ -4495,7 +4495,7 @@
         </p:nvCxnSpPr>
         <p:spPr>
           <a:xfrm rot="5400000" flipH="1">
-            <a:off x="5310325" y="2246155"/>
+            <a:off x="4532974" y="2227803"/>
             <a:ext cx="137158" cy="3129523"/>
           </a:xfrm>
           <a:prstGeom prst="bentConnector4">
@@ -4544,7 +4544,7 @@
         </p:nvCxnSpPr>
         <p:spPr>
           <a:xfrm rot="5400000" flipH="1">
-            <a:off x="6281105" y="1349301"/>
+            <a:off x="5503754" y="1330949"/>
             <a:ext cx="62527" cy="4996453"/>
           </a:xfrm>
           <a:prstGeom prst="bentConnector4">
@@ -4570,6 +4570,239 @@
           </a:fillRef>
           <a:effectRef idx="0">
             <a:schemeClr val="accent1"/>
+          </a:effectRef>
+          <a:fontRef idx="minor">
+            <a:schemeClr val="tx1"/>
+          </a:fontRef>
+        </p:style>
+      </p:cxnSp>
+      <p:sp>
+        <p:nvSpPr>
+          <p:cNvPr id="30" name="Rectangle 29">
+            <a:extLst>
+              <a:ext uri="{FF2B5EF4-FFF2-40B4-BE49-F238E27FC236}">
+                <a16:creationId xmlns:a16="http://schemas.microsoft.com/office/drawing/2014/main" id="{E1046A29-5619-4A2B-B022-5F4BE05DA840}"/>
+              </a:ext>
+            </a:extLst>
+          </p:cNvPr>
+          <p:cNvSpPr/>
+          <p:nvPr/>
+        </p:nvSpPr>
+        <p:spPr>
+          <a:xfrm>
+            <a:off x="9198708" y="3195704"/>
+            <a:ext cx="1434194" cy="664029"/>
+          </a:xfrm>
+          <a:prstGeom prst="rect">
+            <a:avLst/>
+          </a:prstGeom>
+        </p:spPr>
+        <p:style>
+          <a:lnRef idx="2">
+            <a:schemeClr val="accent1">
+              <a:shade val="50000"/>
+            </a:schemeClr>
+          </a:lnRef>
+          <a:fillRef idx="1">
+            <a:schemeClr val="accent1"/>
+          </a:fillRef>
+          <a:effectRef idx="0">
+            <a:schemeClr val="accent1"/>
+          </a:effectRef>
+          <a:fontRef idx="minor">
+            <a:schemeClr val="lt1"/>
+          </a:fontRef>
+        </p:style>
+        <p:txBody>
+          <a:bodyPr rtlCol="0" anchor="ctr"/>
+          <a:lstStyle/>
+          <a:p>
+            <a:pPr algn="ctr"/>
+            <a:r>
+              <a:rPr lang="en-US" dirty="0" err="1"/>
+              <a:t>SearchSortAlgorithm</a:t>
+            </a:r>
+            <a:endParaRPr lang="en-US" dirty="0"/>
+          </a:p>
+        </p:txBody>
+      </p:sp>
+      <p:cxnSp>
+        <p:nvCxnSpPr>
+          <p:cNvPr id="32" name="Connector: Elbow 31">
+            <a:extLst>
+              <a:ext uri="{FF2B5EF4-FFF2-40B4-BE49-F238E27FC236}">
+                <a16:creationId xmlns:a16="http://schemas.microsoft.com/office/drawing/2014/main" id="{587D65DB-1333-4454-BC19-8AEB5ED95301}"/>
+              </a:ext>
+            </a:extLst>
+          </p:cNvPr>
+          <p:cNvCxnSpPr>
+            <a:cxnSpLocks/>
+          </p:cNvCxnSpPr>
+          <p:nvPr/>
+        </p:nvCxnSpPr>
+        <p:spPr>
+          <a:xfrm rot="5400000" flipH="1">
+            <a:off x="8257326" y="2344503"/>
+            <a:ext cx="133904" cy="2913286"/>
+          </a:xfrm>
+          <a:prstGeom prst="bentConnector4">
+            <a:avLst>
+              <a:gd name="adj1" fmla="val -170719"/>
+              <a:gd name="adj2" fmla="val 90743"/>
+            </a:avLst>
+          </a:prstGeom>
+          <a:ln w="12700">
+            <a:solidFill>
+              <a:schemeClr val="tx1"/>
+            </a:solidFill>
+            <a:prstDash val="sysDash"/>
+            <a:tailEnd type="triangle"/>
+          </a:ln>
+        </p:spPr>
+        <p:style>
+          <a:lnRef idx="1">
+            <a:schemeClr val="accent1"/>
+          </a:lnRef>
+          <a:fillRef idx="0">
+            <a:schemeClr val="accent1"/>
+          </a:fillRef>
+          <a:effectRef idx="0">
+            <a:schemeClr val="accent1"/>
+          </a:effectRef>
+          <a:fontRef idx="minor">
+            <a:schemeClr val="tx1"/>
+          </a:fontRef>
+        </p:style>
+      </p:cxnSp>
+      <p:cxnSp>
+        <p:nvCxnSpPr>
+          <p:cNvPr id="33" name="Connector: Elbow 32">
+            <a:extLst>
+              <a:ext uri="{FF2B5EF4-FFF2-40B4-BE49-F238E27FC236}">
+                <a16:creationId xmlns:a16="http://schemas.microsoft.com/office/drawing/2014/main" id="{BF0005C9-2FE5-4A0A-8B4E-2CC33AF0CCA5}"/>
+              </a:ext>
+            </a:extLst>
+          </p:cNvPr>
+          <p:cNvCxnSpPr>
+            <a:cxnSpLocks/>
+          </p:cNvCxnSpPr>
+          <p:nvPr/>
+        </p:nvCxnSpPr>
+        <p:spPr>
+          <a:xfrm rot="5400000" flipH="1">
+            <a:off x="7426192" y="1341593"/>
+            <a:ext cx="62527" cy="4996453"/>
+          </a:xfrm>
+          <a:prstGeom prst="bentConnector4">
+            <a:avLst>
+              <a:gd name="adj1" fmla="val -972382"/>
+              <a:gd name="adj2" fmla="val 92114"/>
+            </a:avLst>
+          </a:prstGeom>
+          <a:ln w="12700">
+            <a:solidFill>
+              <a:schemeClr val="tx1"/>
+            </a:solidFill>
+            <a:prstDash val="sysDash"/>
+            <a:tailEnd type="triangle"/>
+          </a:ln>
+        </p:spPr>
+        <p:style>
+          <a:lnRef idx="1">
+            <a:schemeClr val="accent1"/>
+          </a:lnRef>
+          <a:fillRef idx="0">
+            <a:schemeClr val="accent1"/>
+          </a:fillRef>
+          <a:effectRef idx="0">
+            <a:schemeClr val="accent1"/>
+          </a:effectRef>
+          <a:fontRef idx="minor">
+            <a:schemeClr val="tx1"/>
+          </a:fontRef>
+        </p:style>
+      </p:cxnSp>
+      <p:cxnSp>
+        <p:nvCxnSpPr>
+          <p:cNvPr id="47" name="Straight Arrow Connector 46">
+            <a:extLst>
+              <a:ext uri="{FF2B5EF4-FFF2-40B4-BE49-F238E27FC236}">
+                <a16:creationId xmlns:a16="http://schemas.microsoft.com/office/drawing/2014/main" id="{21FA3D92-1679-4F6F-A068-E2FF176F3139}"/>
+              </a:ext>
+            </a:extLst>
+          </p:cNvPr>
+          <p:cNvCxnSpPr>
+            <a:cxnSpLocks/>
+            <a:stCxn id="30" idx="1"/>
+          </p:cNvCxnSpPr>
+          <p:nvPr/>
+        </p:nvCxnSpPr>
+        <p:spPr>
+          <a:xfrm flipH="1">
+            <a:off x="8729968" y="3527719"/>
+            <a:ext cx="468740" cy="0"/>
+          </a:xfrm>
+          <a:prstGeom prst="straightConnector1">
+            <a:avLst/>
+          </a:prstGeom>
+          <a:ln>
+            <a:prstDash val="sysDash"/>
+            <a:tailEnd type="triangle"/>
+          </a:ln>
+        </p:spPr>
+        <p:style>
+          <a:lnRef idx="2">
+            <a:schemeClr val="dk1"/>
+          </a:lnRef>
+          <a:fillRef idx="0">
+            <a:schemeClr val="dk1"/>
+          </a:fillRef>
+          <a:effectRef idx="1">
+            <a:schemeClr val="dk1"/>
+          </a:effectRef>
+          <a:fontRef idx="minor">
+            <a:schemeClr val="tx1"/>
+          </a:fontRef>
+        </p:style>
+      </p:cxnSp>
+      <p:cxnSp>
+        <p:nvCxnSpPr>
+          <p:cNvPr id="49" name="Straight Arrow Connector 48">
+            <a:extLst>
+              <a:ext uri="{FF2B5EF4-FFF2-40B4-BE49-F238E27FC236}">
+                <a16:creationId xmlns:a16="http://schemas.microsoft.com/office/drawing/2014/main" id="{7B6B11B7-EAB8-4619-A6E1-B7C5A2030CA5}"/>
+              </a:ext>
+            </a:extLst>
+          </p:cNvPr>
+          <p:cNvCxnSpPr>
+            <a:cxnSpLocks/>
+            <a:stCxn id="4" idx="2"/>
+            <a:endCxn id="30" idx="0"/>
+          </p:cNvCxnSpPr>
+          <p:nvPr/>
+        </p:nvCxnSpPr>
+        <p:spPr>
+          <a:xfrm>
+            <a:off x="6082393" y="1344386"/>
+            <a:ext cx="3833412" cy="1851318"/>
+          </a:xfrm>
+          <a:prstGeom prst="straightConnector1">
+            <a:avLst/>
+          </a:prstGeom>
+          <a:ln>
+            <a:prstDash val="sysDash"/>
+            <a:tailEnd type="triangle"/>
+          </a:ln>
+        </p:spPr>
+        <p:style>
+          <a:lnRef idx="2">
+            <a:schemeClr val="dk1"/>
+          </a:lnRef>
+          <a:fillRef idx="0">
+            <a:schemeClr val="dk1"/>
+          </a:fillRef>
+          <a:effectRef idx="1">
+            <a:schemeClr val="dk1"/>
           </a:effectRef>
           <a:fontRef idx="minor">
             <a:schemeClr val="tx1"/>
